--- a/project-presentation/short-presentation-v0.pptx
+++ b/project-presentation/short-presentation-v0.pptx
@@ -3529,7 +3529,7 @@
         <p:spPr>
           <a:xfrm>
             <a:off x="720" y="360"/>
-            <a:ext cx="10078920" cy="7557840"/>
+            <a:ext cx="10078560" cy="7557480"/>
           </a:xfrm>
           <a:prstGeom prst="rect">
             <a:avLst/>
@@ -3745,7 +3745,7 @@
         <p:spPr>
           <a:xfrm>
             <a:off x="720" y="360"/>
-            <a:ext cx="10078920" cy="7557840"/>
+            <a:ext cx="10078560" cy="7557480"/>
           </a:xfrm>
           <a:prstGeom prst="rect">
             <a:avLst/>
@@ -4081,7 +4081,7 @@
         <p:spPr>
           <a:xfrm>
             <a:off x="720" y="360"/>
-            <a:ext cx="10078920" cy="7557840"/>
+            <a:ext cx="10078560" cy="7557480"/>
           </a:xfrm>
           <a:prstGeom prst="rect">
             <a:avLst/>
@@ -4297,7 +4297,7 @@
         <p:spPr>
           <a:xfrm>
             <a:off x="250200" y="546480"/>
-            <a:ext cx="9081360" cy="823680"/>
+            <a:ext cx="9081000" cy="823320"/>
           </a:xfrm>
           <a:prstGeom prst="rect">
             <a:avLst/>
@@ -4316,7 +4316,7 @@
         <p:spPr>
           <a:xfrm>
             <a:off x="504000" y="1799640"/>
-            <a:ext cx="9071280" cy="4382640"/>
+            <a:ext cx="9070920" cy="4382280"/>
           </a:xfrm>
           <a:prstGeom prst="rect">
             <a:avLst/>
@@ -4528,7 +4528,7 @@
         <p:spPr>
           <a:xfrm>
             <a:off x="250200" y="546480"/>
-            <a:ext cx="9081360" cy="823680"/>
+            <a:ext cx="9081000" cy="823320"/>
           </a:xfrm>
           <a:prstGeom prst="rect">
             <a:avLst/>
@@ -4553,7 +4553,7 @@
         <p:spPr>
           <a:xfrm>
             <a:off x="1188720" y="1851840"/>
-            <a:ext cx="7552440" cy="4914360"/>
+            <a:ext cx="7552080" cy="4914000"/>
           </a:xfrm>
           <a:prstGeom prst="rect">
             <a:avLst/>
@@ -4627,7 +4627,7 @@
         <p:spPr>
           <a:xfrm>
             <a:off x="250200" y="546480"/>
-            <a:ext cx="9081360" cy="823680"/>
+            <a:ext cx="9081000" cy="823320"/>
           </a:xfrm>
           <a:prstGeom prst="rect">
             <a:avLst/>
@@ -4646,7 +4646,7 @@
         <p:spPr>
           <a:xfrm>
             <a:off x="504000" y="1799640"/>
-            <a:ext cx="9071280" cy="4382640"/>
+            <a:ext cx="9070920" cy="4382280"/>
           </a:xfrm>
           <a:prstGeom prst="rect">
             <a:avLst/>
@@ -4854,7 +4854,7 @@
         <p:spPr>
           <a:xfrm>
             <a:off x="250200" y="546480"/>
-            <a:ext cx="9081360" cy="823680"/>
+            <a:ext cx="9081000" cy="823320"/>
           </a:xfrm>
           <a:prstGeom prst="rect">
             <a:avLst/>
@@ -4873,7 +4873,7 @@
         <p:spPr>
           <a:xfrm>
             <a:off x="504000" y="575640"/>
-            <a:ext cx="7198920" cy="718560"/>
+            <a:ext cx="7198560" cy="718200"/>
           </a:xfrm>
           <a:prstGeom prst="rect">
             <a:avLst/>
@@ -4911,7 +4911,7 @@
         <p:spPr>
           <a:xfrm>
             <a:off x="548640" y="1828800"/>
-            <a:ext cx="8777880" cy="5120280"/>
+            <a:ext cx="8777520" cy="5119920"/>
           </a:xfrm>
           <a:prstGeom prst="rect">
             <a:avLst/>
@@ -4985,7 +4985,7 @@
         <p:spPr>
           <a:xfrm>
             <a:off x="250200" y="546480"/>
-            <a:ext cx="9081360" cy="823680"/>
+            <a:ext cx="9081000" cy="823320"/>
           </a:xfrm>
           <a:prstGeom prst="rect">
             <a:avLst/>
@@ -5004,7 +5004,7 @@
         <p:spPr>
           <a:xfrm>
             <a:off x="504000" y="575640"/>
-            <a:ext cx="7198920" cy="718560"/>
+            <a:ext cx="7198560" cy="718200"/>
           </a:xfrm>
           <a:prstGeom prst="rect">
             <a:avLst/>
@@ -5091,7 +5091,7 @@
         <p:spPr>
           <a:xfrm>
             <a:off x="250200" y="546480"/>
-            <a:ext cx="9081360" cy="823680"/>
+            <a:ext cx="9081000" cy="823320"/>
           </a:xfrm>
           <a:prstGeom prst="rect">
             <a:avLst/>
@@ -5110,7 +5110,7 @@
         <p:spPr>
           <a:xfrm>
             <a:off x="504000" y="575640"/>
-            <a:ext cx="7198920" cy="718560"/>
+            <a:ext cx="7198560" cy="718200"/>
           </a:xfrm>
           <a:prstGeom prst="rect">
             <a:avLst/>
@@ -5148,7 +5148,7 @@
         <p:spPr>
           <a:xfrm>
             <a:off x="548640" y="1887480"/>
-            <a:ext cx="8686440" cy="4970160"/>
+            <a:ext cx="8686080" cy="4969800"/>
           </a:xfrm>
           <a:prstGeom prst="rect">
             <a:avLst/>
@@ -5222,7 +5222,7 @@
         <p:spPr>
           <a:xfrm>
             <a:off x="274320" y="548640"/>
-            <a:ext cx="8868240" cy="821520"/>
+            <a:ext cx="8867880" cy="821160"/>
           </a:xfrm>
           <a:prstGeom prst="rect">
             <a:avLst/>
@@ -5241,7 +5241,7 @@
         <p:spPr>
           <a:xfrm>
             <a:off x="504000" y="575640"/>
-            <a:ext cx="7198920" cy="718560"/>
+            <a:ext cx="7198560" cy="718200"/>
           </a:xfrm>
           <a:prstGeom prst="rect">
             <a:avLst/>
@@ -5279,7 +5279,7 @@
         <p:spPr>
           <a:xfrm>
             <a:off x="6309360" y="1799280"/>
-            <a:ext cx="2833200" cy="5240160"/>
+            <a:ext cx="2832840" cy="5239800"/>
           </a:xfrm>
           <a:prstGeom prst="rect">
             <a:avLst/>
@@ -5298,7 +5298,7 @@
         <p:spPr>
           <a:xfrm>
             <a:off x="601920" y="1833840"/>
-            <a:ext cx="5614560" cy="5205600"/>
+            <a:ext cx="5614200" cy="5205240"/>
           </a:xfrm>
           <a:prstGeom prst="rect">
             <a:avLst/>
@@ -5343,7 +5343,7 @@
         <p:spPr>
           <a:xfrm>
             <a:off x="548640" y="1792800"/>
-            <a:ext cx="5760360" cy="5239080"/>
+            <a:ext cx="5760000" cy="5238720"/>
           </a:xfrm>
           <a:prstGeom prst="rect">
             <a:avLst/>
@@ -5417,7 +5417,7 @@
         <p:spPr>
           <a:xfrm>
             <a:off x="250200" y="546480"/>
-            <a:ext cx="9081360" cy="823680"/>
+            <a:ext cx="9081000" cy="823320"/>
           </a:xfrm>
           <a:prstGeom prst="rect">
             <a:avLst/>
@@ -5436,7 +5436,7 @@
         <p:spPr>
           <a:xfrm>
             <a:off x="504000" y="575640"/>
-            <a:ext cx="7198920" cy="718560"/>
+            <a:ext cx="7198560" cy="718200"/>
           </a:xfrm>
           <a:prstGeom prst="rect">
             <a:avLst/>
@@ -5468,7 +5468,7 @@
         <p:spPr>
           <a:xfrm>
             <a:off x="504000" y="1799640"/>
-            <a:ext cx="9071280" cy="4382640"/>
+            <a:ext cx="9070920" cy="4382280"/>
           </a:xfrm>
           <a:prstGeom prst="rect">
             <a:avLst/>
@@ -5488,7 +5488,7 @@
         <p:spPr>
           <a:xfrm>
             <a:off x="457200" y="1920240"/>
-            <a:ext cx="9142920" cy="4936680"/>
+            <a:ext cx="9142560" cy="4936320"/>
           </a:xfrm>
           <a:prstGeom prst="rect">
             <a:avLst/>
@@ -5558,7 +5558,7 @@
         </p:nvGraphicFramePr>
         <p:xfrm>
           <a:off x="513000" y="2011680"/>
-          <a:ext cx="8813520" cy="4937760"/>
+          <a:ext cx="8813160" cy="4937400"/>
         </p:xfrm>
         <a:graphic>
           <a:graphicData uri="http://schemas.openxmlformats.org/drawingml/2006/table">
@@ -5567,9 +5567,9 @@
               <a:tblGrid>
                 <a:gridCol w="2937240"/>
                 <a:gridCol w="3344400"/>
-                <a:gridCol w="2532240"/>
+                <a:gridCol w="2531520"/>
               </a:tblGrid>
-              <a:tr h="4921920">
+              <a:tr h="4937400">
                 <a:tc>
                   <a:txBody>
                     <a:bodyPr/>
@@ -5614,7 +5614,7 @@
                         <a:t>     </a:t>
                       </a:r>
                       <a:r>
-                        <a:rPr lang="en-US">
+                        <a:rPr lang="en-US" sz="2400">
                           <a:latin typeface="Arial"/>
                         </a:rPr>
                         <a:t>Swift 4 library</a:t>
@@ -5628,13 +5628,13 @@
                         </a:lnSpc>
                       </a:pPr>
                       <a:r>
-                        <a:rPr lang="en-US">
+                        <a:rPr lang="en-US" sz="2400">
                           <a:latin typeface="Arial"/>
                         </a:rPr>
-                        <a:t>       </a:t>
+                        <a:t>     </a:t>
                       </a:r>
                       <a:r>
-                        <a:rPr lang="en-US">
+                        <a:rPr lang="en-US" sz="2400">
                           <a:latin typeface="Arial"/>
                         </a:rPr>
                         <a:t>UIKit</a:t>
@@ -5648,13 +5648,13 @@
                         </a:lnSpc>
                       </a:pPr>
                       <a:r>
-                        <a:rPr lang="en-US">
+                        <a:rPr lang="en-US" sz="2400">
                           <a:latin typeface="Arial"/>
                         </a:rPr>
-                        <a:t>       </a:t>
+                        <a:t>     </a:t>
                       </a:r>
                       <a:r>
-                        <a:rPr lang="en-US">
+                        <a:rPr lang="en-US" sz="2400">
                           <a:latin typeface="Arial"/>
                         </a:rPr>
                         <a:t>Foundation</a:t>
@@ -5668,13 +5668,13 @@
                         </a:lnSpc>
                       </a:pPr>
                       <a:r>
-                        <a:rPr lang="en-US">
+                        <a:rPr lang="en-US" sz="2400">
                           <a:latin typeface="Arial"/>
                         </a:rPr>
-                        <a:t>       </a:t>
+                        <a:t>     </a:t>
                       </a:r>
                       <a:r>
-                        <a:rPr lang="en-US">
+                        <a:rPr lang="en-US" sz="2400">
                           <a:latin typeface="Arial"/>
                         </a:rPr>
                         <a:t>Core Graphics</a:t>
@@ -5688,13 +5688,13 @@
                         </a:lnSpc>
                       </a:pPr>
                       <a:r>
-                        <a:rPr lang="en-US">
+                        <a:rPr lang="en-US" sz="2400">
                           <a:latin typeface="Arial"/>
                         </a:rPr>
-                        <a:t>       </a:t>
+                        <a:t>     </a:t>
                       </a:r>
                       <a:r>
-                        <a:rPr lang="en-US">
+                        <a:rPr lang="en-US" sz="2400">
                           <a:latin typeface="Arial"/>
                         </a:rPr>
                         <a:t>Core Image</a:t>
@@ -5708,13 +5708,13 @@
                         </a:lnSpc>
                       </a:pPr>
                       <a:r>
-                        <a:rPr lang="en-US">
+                        <a:rPr lang="en-US" sz="2400">
                           <a:latin typeface="Arial"/>
                         </a:rPr>
-                        <a:t>       </a:t>
+                        <a:t>     </a:t>
                       </a:r>
                       <a:r>
-                        <a:rPr lang="en-US">
+                        <a:rPr lang="en-US" sz="2400">
                           <a:latin typeface="Arial"/>
                         </a:rPr>
                         <a:t>Core Location</a:t>
@@ -5748,7 +5748,7 @@
                         <a:t>     </a:t>
                       </a:r>
                       <a:r>
-                        <a:rPr lang="en-US">
+                        <a:rPr lang="en-US" sz="2400">
                           <a:latin typeface="Arial"/>
                         </a:rPr>
                         <a:t>Tesseract</a:t>
@@ -5762,13 +5762,13 @@
                         </a:lnSpc>
                       </a:pPr>
                       <a:r>
-                        <a:rPr lang="en-US">
+                        <a:rPr lang="en-US" sz="2400">
                           <a:latin typeface="Arial"/>
                         </a:rPr>
-                        <a:t>       </a:t>
+                        <a:t>     </a:t>
                       </a:r>
                       <a:r>
-                        <a:rPr lang="en-US">
+                        <a:rPr lang="en-US" sz="2400">
                           <a:latin typeface="Arial"/>
                         </a:rPr>
                         <a:t>Maps</a:t>
@@ -5782,13 +5782,13 @@
                         </a:lnSpc>
                       </a:pPr>
                       <a:r>
-                        <a:rPr lang="en-US">
+                        <a:rPr lang="en-US" sz="2400">
                           <a:latin typeface="Arial"/>
                         </a:rPr>
-                        <a:t>       </a:t>
+                        <a:t>     </a:t>
                       </a:r>
                       <a:r>
-                        <a:rPr lang="en-US">
+                        <a:rPr lang="en-US" sz="2400">
                           <a:latin typeface="Arial"/>
                         </a:rPr>
                         <a:t>Places</a:t>
@@ -5802,13 +5802,13 @@
                         </a:lnSpc>
                       </a:pPr>
                       <a:r>
-                        <a:rPr lang="en-US">
+                        <a:rPr lang="en-US" sz="2400">
                           <a:latin typeface="Arial"/>
                         </a:rPr>
-                        <a:t>       </a:t>
+                        <a:t>     </a:t>
                       </a:r>
                       <a:r>
-                        <a:rPr lang="en-US">
+                        <a:rPr lang="en-US" sz="2400">
                           <a:latin typeface="Arial"/>
                         </a:rPr>
                         <a:t>Place Picker</a:t>
@@ -5879,6 +5879,28 @@
                       </a:r>
                       <a:endParaRPr/>
                     </a:p>
+                    <a:p>
+                      <a:pPr>
+                        <a:lnSpc>
+                          <a:spcPct val="100000"/>
+                        </a:lnSpc>
+                      </a:pPr>
+                      <a:endParaRPr/>
+                    </a:p>
+                    <a:p>
+                      <a:pPr>
+                        <a:lnSpc>
+                          <a:spcPct val="100000"/>
+                        </a:lnSpc>
+                      </a:pPr>
+                      <a:r>
+                        <a:rPr lang="en-US" sz="2400">
+                          <a:latin typeface="Arial"/>
+                        </a:rPr>
+                        <a:t>Google Distance Matrix</a:t>
+                      </a:r>
+                      <a:endParaRPr/>
+                    </a:p>
                   </a:txBody>
                   <a:tcPr/>
                 </a:tc>
@@ -5940,6 +5962,28 @@
                           <a:latin typeface="Arial"/>
                         </a:rPr>
                         <a:t>LunaPic Online Photo Editor</a:t>
+                      </a:r>
+                      <a:endParaRPr/>
+                    </a:p>
+                    <a:p>
+                      <a:pPr>
+                        <a:lnSpc>
+                          <a:spcPct val="100000"/>
+                        </a:lnSpc>
+                      </a:pPr>
+                      <a:endParaRPr/>
+                    </a:p>
+                    <a:p>
+                      <a:pPr>
+                        <a:lnSpc>
+                          <a:spcPct val="100000"/>
+                        </a:lnSpc>
+                      </a:pPr>
+                      <a:r>
+                        <a:rPr lang="en-US" sz="2400">
+                          <a:latin typeface="Arial"/>
+                        </a:rPr>
+                        <a:t>Draw.io</a:t>
                       </a:r>
                       <a:endParaRPr/>
                     </a:p>
@@ -6015,7 +6059,7 @@
         <p:spPr>
           <a:xfrm>
             <a:off x="250200" y="546480"/>
-            <a:ext cx="9081360" cy="823680"/>
+            <a:ext cx="9081000" cy="823320"/>
           </a:xfrm>
           <a:prstGeom prst="rect">
             <a:avLst/>
@@ -6034,7 +6078,7 @@
         <p:spPr>
           <a:xfrm>
             <a:off x="504000" y="575640"/>
-            <a:ext cx="7198920" cy="718560"/>
+            <a:ext cx="7198560" cy="718200"/>
           </a:xfrm>
           <a:prstGeom prst="rect">
             <a:avLst/>
@@ -6066,7 +6110,7 @@
         <p:spPr>
           <a:xfrm>
             <a:off x="504000" y="1799640"/>
-            <a:ext cx="9071280" cy="4382640"/>
+            <a:ext cx="9070920" cy="4382280"/>
           </a:xfrm>
           <a:prstGeom prst="rect">
             <a:avLst/>
@@ -6086,7 +6130,7 @@
         <p:spPr>
           <a:xfrm>
             <a:off x="457200" y="1920240"/>
-            <a:ext cx="9142920" cy="4936680"/>
+            <a:ext cx="9142560" cy="4936320"/>
           </a:xfrm>
           <a:prstGeom prst="rect">
             <a:avLst/>
@@ -6118,7 +6162,7 @@
         <p:spPr>
           <a:xfrm>
             <a:off x="457200" y="1920240"/>
-            <a:ext cx="8777520" cy="4663440"/>
+            <a:ext cx="8777160" cy="4663080"/>
           </a:xfrm>
           <a:prstGeom prst="rect">
             <a:avLst/>
@@ -6430,7 +6474,7 @@
         <p:spPr>
           <a:xfrm>
             <a:off x="250200" y="546480"/>
-            <a:ext cx="9081360" cy="823680"/>
+            <a:ext cx="9081000" cy="823320"/>
           </a:xfrm>
           <a:prstGeom prst="rect">
             <a:avLst/>
@@ -6455,7 +6499,7 @@
         <p:spPr>
           <a:xfrm>
             <a:off x="731520" y="1828800"/>
-            <a:ext cx="8046360" cy="5028840"/>
+            <a:ext cx="8046000" cy="5028480"/>
           </a:xfrm>
           <a:prstGeom prst="rect">
             <a:avLst/>
